--- a/Requirements/Presentations/GreenSheets OGA presentation_version 2.pptx
+++ b/Requirements/Presentations/GreenSheets OGA presentation_version 2.pptx
@@ -5,20 +5,19 @@
     <p:sldMasterId id="2147484511" r:id="rId4"/>
   </p:sldMasterIdLst>
   <p:notesMasterIdLst>
-    <p:notesMasterId r:id="rId13"/>
+    <p:notesMasterId r:id="rId12"/>
   </p:notesMasterIdLst>
   <p:handoutMasterIdLst>
-    <p:handoutMasterId r:id="rId14"/>
+    <p:handoutMasterId r:id="rId13"/>
   </p:handoutMasterIdLst>
   <p:sldIdLst>
     <p:sldId id="386" r:id="rId5"/>
-    <p:sldId id="465" r:id="rId6"/>
-    <p:sldId id="438" r:id="rId7"/>
-    <p:sldId id="453" r:id="rId8"/>
-    <p:sldId id="470" r:id="rId9"/>
-    <p:sldId id="471" r:id="rId10"/>
-    <p:sldId id="454" r:id="rId11"/>
-    <p:sldId id="472" r:id="rId12"/>
+    <p:sldId id="438" r:id="rId6"/>
+    <p:sldId id="453" r:id="rId7"/>
+    <p:sldId id="470" r:id="rId8"/>
+    <p:sldId id="471" r:id="rId9"/>
+    <p:sldId id="454" r:id="rId10"/>
+    <p:sldId id="472" r:id="rId11"/>
   </p:sldIdLst>
   <p:sldSz cx="9144000" cy="6858000" type="screen4x3"/>
   <p:notesSz cx="6858000" cy="9144000"/>
@@ -153,7 +152,6 @@
         <p14:section name="Default Section" id="{52A2E537-9349-4BC6-ADD8-07B26B007D13}">
           <p14:sldIdLst>
             <p14:sldId id="386"/>
-            <p14:sldId id="465"/>
             <p14:sldId id="438"/>
             <p14:sldId id="453"/>
             <p14:sldId id="470"/>
@@ -354,7 +352,7 @@
               <a:pPr>
                 <a:defRPr/>
               </a:pPr>
-              <a:t>6/15/2016</a:t>
+              <a:t>6/16/2016</a:t>
             </a:fld>
             <a:endParaRPr lang="en-US" dirty="0"/>
           </a:p>
@@ -1538,7 +1536,7 @@
               <a:pPr>
                 <a:defRPr/>
               </a:pPr>
-              <a:t>June 15, 2016</a:t>
+              <a:t>June 16, 2016</a:t>
             </a:fld>
             <a:endParaRPr lang="en-US" dirty="0"/>
           </a:p>
@@ -4120,7 +4118,7 @@
           <a:p>
             <a:fld id="{9E23832F-A033-A54E-AB4C-FBC3D83AD4AA}" type="datetimeFigureOut">
               <a:rPr lang="en-US" smtClean="0"/>
-              <a:t>6/15/2016</a:t>
+              <a:t>6/16/2016</a:t>
             </a:fld>
             <a:endParaRPr lang="en-US"/>
           </a:p>
@@ -4290,7 +4288,7 @@
           <a:p>
             <a:fld id="{9E23832F-A033-A54E-AB4C-FBC3D83AD4AA}" type="datetimeFigureOut">
               <a:rPr lang="en-US" smtClean="0"/>
-              <a:t>6/15/2016</a:t>
+              <a:t>6/16/2016</a:t>
             </a:fld>
             <a:endParaRPr lang="en-US"/>
           </a:p>
@@ -8263,7 +8261,7 @@
               </a14:hiddenLine>
             </a:ext>
             <a:ext uri="{FAA26D3D-D897-4be2-8F04-BA451C77F1D7}">
-              <ma14:placeholderFlag xmlns:ma14="http://schemas.microsoft.com/office/mac/drawingml/2011/main" xmlns="" val="1"/>
+              <ma14:placeholderFlag xmlns="" xmlns:ma14="http://schemas.microsoft.com/office/mac/drawingml/2011/main" val="1"/>
             </a:ext>
           </a:extLst>
         </p:spPr>
@@ -8326,7 +8324,7 @@
               </a14:hiddenLine>
             </a:ext>
             <a:ext uri="{FAA26D3D-D897-4be2-8F04-BA451C77F1D7}">
-              <ma14:placeholderFlag xmlns:ma14="http://schemas.microsoft.com/office/mac/drawingml/2011/main" xmlns="" val="1"/>
+              <ma14:placeholderFlag xmlns="" xmlns:ma14="http://schemas.microsoft.com/office/mac/drawingml/2011/main" val="1"/>
             </a:ext>
           </a:extLst>
         </p:spPr>
@@ -8420,7 +8418,7 @@
             </a:pPr>
             <a:fld id="{63A80243-55C2-1C49-BA61-21AC8F55AA45}" type="datetime4">
               <a:rPr lang="en-US" smtClean="0"/>
-              <a:t>June 15, 2016</a:t>
+              <a:t>June 16, 2016</a:t>
             </a:fld>
             <a:endParaRPr lang="en-US" dirty="0"/>
           </a:p>
@@ -9027,7 +9025,19 @@
                   </a:outerShdw>
                 </a:effectLst>
               </a:rPr>
-              <a:t>OGA Meeting</a:t>
+              <a:t>Kickoff </a:t>
+            </a:r>
+            <a:r>
+              <a:rPr lang="en-US" altLang="en-US" sz="2400" dirty="0" smtClean="0">
+                <a:effectLst>
+                  <a:outerShdw blurRad="38100" dist="38100" dir="2700000" algn="tl">
+                    <a:srgbClr val="000000">
+                      <a:alpha val="43137"/>
+                    </a:srgbClr>
+                  </a:outerShdw>
+                </a:effectLst>
+              </a:rPr>
+              <a:t>Meeting</a:t>
             </a:r>
             <a:r>
               <a:rPr lang="en-US" altLang="en-US" sz="2400" dirty="0" smtClean="0"/>
@@ -9169,11 +9179,24 @@
             <p:ph type="title"/>
           </p:nvPr>
         </p:nvSpPr>
-        <p:spPr/>
+        <p:spPr>
+          <a:xfrm>
+            <a:off x="457200" y="457201"/>
+            <a:ext cx="8165592" cy="610136"/>
+          </a:xfrm>
+        </p:spPr>
         <p:txBody>
           <a:bodyPr/>
           <a:lstStyle/>
           <a:p>
+            <a:pPr lvl="0"/>
+            <a:r>
+              <a:rPr lang="en-US" b="1" dirty="0" smtClean="0"/>
+              <a:t/>
+            </a:r>
+            <a:br>
+              <a:rPr lang="en-US" b="1" dirty="0" smtClean="0"/>
+            </a:br>
             <a:r>
               <a:rPr lang="en-US" b="1" dirty="0" smtClean="0">
                 <a:effectLst>
@@ -9186,19 +9209,16 @@
                 <a:latin typeface="Arial" panose="020B0604020202020204" pitchFamily="34" charset="0"/>
                 <a:cs typeface="Arial" panose="020B0604020202020204" pitchFamily="34" charset="0"/>
               </a:rPr>
-              <a:t>Introductions</a:t>
-            </a:r>
-            <a:endParaRPr lang="en-US" b="1" dirty="0">
-              <a:effectLst>
-                <a:outerShdw blurRad="38100" dist="38100" dir="2700000" algn="tl">
-                  <a:srgbClr val="000000">
-                    <a:alpha val="43137"/>
-                  </a:srgbClr>
-                </a:outerShdw>
-              </a:effectLst>
-              <a:latin typeface="Arial" panose="020B0604020202020204" pitchFamily="34" charset="0"/>
-              <a:cs typeface="Arial" panose="020B0604020202020204" pitchFamily="34" charset="0"/>
-            </a:endParaRPr>
+              <a:t>Meeting purpose</a:t>
+            </a:r>
+            <a:r>
+              <a:rPr lang="en-US" dirty="0"/>
+              <a:t/>
+            </a:r>
+            <a:br>
+              <a:rPr lang="en-US" dirty="0"/>
+            </a:br>
+            <a:endParaRPr lang="en-US" dirty="0"/>
           </a:p>
         </p:txBody>
       </p:sp>
@@ -9214,178 +9234,123 @@
         </p:nvSpPr>
         <p:spPr>
           <a:xfrm>
-            <a:off x="457200" y="1219200"/>
-            <a:ext cx="8165592" cy="5105400"/>
+            <a:off x="457200" y="1067336"/>
+            <a:ext cx="8165592" cy="5409663"/>
           </a:xfrm>
         </p:spPr>
         <p:txBody>
           <a:bodyPr/>
           <a:lstStyle/>
           <a:p>
-            <a:r>
-              <a:rPr lang="en-US" sz="1600" b="1" dirty="0"/>
-              <a:t>Key Business Stakeholders:</a:t>
-            </a:r>
-          </a:p>
-          <a:p>
-            <a:pPr lvl="1"/>
-            <a:r>
-              <a:rPr lang="en-US" sz="1400" dirty="0" smtClean="0"/>
-              <a:t>Crystal Wolfrey</a:t>
-            </a:r>
-          </a:p>
-          <a:p>
-            <a:pPr lvl="1"/>
-            <a:r>
-              <a:rPr lang="en-US" sz="1400" dirty="0" smtClean="0"/>
-              <a:t>Stacey Kocher</a:t>
-            </a:r>
-          </a:p>
-          <a:p>
-            <a:pPr lvl="1"/>
-            <a:r>
-              <a:rPr lang="en-US" sz="1400" dirty="0" err="1" smtClean="0"/>
-              <a:t>Uzma</a:t>
-            </a:r>
-            <a:r>
-              <a:rPr lang="en-US" sz="1400" dirty="0" smtClean="0"/>
-              <a:t> </a:t>
-            </a:r>
-            <a:r>
-              <a:rPr lang="en-US" sz="1400" dirty="0"/>
-              <a:t>Cheema</a:t>
-            </a:r>
-            <a:endParaRPr lang="en-US" sz="1400" i="1" dirty="0"/>
-          </a:p>
-          <a:p>
-            <a:pPr lvl="1"/>
-            <a:endParaRPr lang="en-US" sz="1050" dirty="0"/>
-          </a:p>
-          <a:p>
-            <a:pPr marL="228600" lvl="2"/>
-            <a:r>
-              <a:rPr lang="en-US" sz="1600" b="1" dirty="0"/>
-              <a:t>CBIIT Team Members</a:t>
-            </a:r>
-          </a:p>
-          <a:p>
-            <a:pPr lvl="1"/>
-            <a:r>
-              <a:rPr lang="en-US" sz="1400" dirty="0"/>
-              <a:t>Nelya Gunina, </a:t>
-            </a:r>
-            <a:r>
-              <a:rPr lang="en-US" sz="1400" i="1" dirty="0"/>
-              <a:t>Federal Project Manager</a:t>
-            </a:r>
-          </a:p>
-          <a:p>
-            <a:pPr lvl="1"/>
-            <a:r>
-              <a:rPr lang="en-US" sz="1400" dirty="0"/>
-              <a:t>Jennifer Kwok, </a:t>
-            </a:r>
-            <a:r>
-              <a:rPr lang="en-US" sz="1400" i="1" dirty="0"/>
-              <a:t>Federal Project Manager</a:t>
-            </a:r>
-          </a:p>
-          <a:p>
-            <a:pPr lvl="1"/>
-            <a:r>
-              <a:rPr lang="en-US" sz="1400" dirty="0"/>
-              <a:t>Lawrence Brem, </a:t>
-            </a:r>
-            <a:r>
-              <a:rPr lang="en-US" sz="1400" i="1" dirty="0"/>
-              <a:t>Technical Project Manager</a:t>
-            </a:r>
-          </a:p>
-          <a:p>
-            <a:pPr lvl="1"/>
-            <a:r>
-              <a:rPr lang="en-US" sz="1400" dirty="0"/>
-              <a:t>Gerald Momplaisir, </a:t>
-            </a:r>
-            <a:r>
-              <a:rPr lang="en-US" sz="1400" i="1" dirty="0"/>
-              <a:t>Technical Lead</a:t>
-            </a:r>
-          </a:p>
-          <a:p>
-            <a:pPr lvl="1"/>
-            <a:r>
-              <a:rPr lang="en-US" sz="1400" dirty="0" smtClean="0"/>
-              <a:t>Subashini </a:t>
-            </a:r>
-            <a:r>
-              <a:rPr lang="en-US" sz="1400" dirty="0"/>
-              <a:t>Varadarajan, </a:t>
-            </a:r>
-            <a:r>
-              <a:rPr lang="en-US" sz="1400" i="1" dirty="0"/>
-              <a:t>Requirements Analyst</a:t>
-            </a:r>
-          </a:p>
-          <a:p>
-            <a:pPr lvl="1"/>
-            <a:r>
-              <a:rPr lang="en-US" sz="1400" dirty="0"/>
-              <a:t>Gabriella Tulchinskaya, </a:t>
-            </a:r>
-            <a:r>
-              <a:rPr lang="en-US" sz="1400" i="1" dirty="0"/>
-              <a:t>Requirements </a:t>
-            </a:r>
-            <a:r>
-              <a:rPr lang="en-US" sz="1400" i="1" dirty="0" smtClean="0"/>
-              <a:t>Analyst</a:t>
-            </a:r>
-          </a:p>
-          <a:p>
-            <a:pPr lvl="1"/>
-            <a:r>
-              <a:rPr lang="en-US" sz="1400" dirty="0"/>
-              <a:t>Yakov Polonsky</a:t>
-            </a:r>
-            <a:r>
-              <a:rPr lang="en-US" sz="1400" i="1" dirty="0"/>
-              <a:t>, Architect</a:t>
-            </a:r>
-          </a:p>
-          <a:p>
-            <a:pPr lvl="1"/>
-            <a:r>
-              <a:rPr lang="en-US" sz="1400" dirty="0" smtClean="0"/>
-              <a:t>David </a:t>
-            </a:r>
-            <a:r>
-              <a:rPr lang="en-US" sz="1400" dirty="0"/>
-              <a:t>Chang, </a:t>
-            </a:r>
-            <a:r>
-              <a:rPr lang="en-US" sz="1400" i="1" dirty="0"/>
-              <a:t>Database Developer</a:t>
-            </a:r>
-          </a:p>
-          <a:p>
-            <a:pPr marL="228600" lvl="1" indent="0">
+            <a:pPr lvl="1" indent="-457200">
+              <a:lnSpc>
+                <a:spcPct val="150000"/>
+              </a:lnSpc>
+              <a:buFont typeface="Wingdings" panose="05000000000000000000" pitchFamily="2" charset="2"/>
+              <a:buChar char="§"/>
+            </a:pPr>
+            <a:r>
+              <a:rPr lang="en-US" sz="2000" dirty="0" smtClean="0"/>
+              <a:t>Provide overview of the </a:t>
+            </a:r>
+            <a:r>
+              <a:rPr lang="en-US" sz="2000" dirty="0"/>
+              <a:t>project </a:t>
+            </a:r>
+            <a:r>
+              <a:rPr lang="en-US" sz="2000" dirty="0" smtClean="0"/>
+              <a:t>scope</a:t>
+            </a:r>
+          </a:p>
+          <a:p>
+            <a:pPr lvl="1" indent="-457200">
+              <a:lnSpc>
+                <a:spcPct val="150000"/>
+              </a:lnSpc>
+              <a:buFont typeface="Wingdings" panose="05000000000000000000" pitchFamily="2" charset="2"/>
+              <a:buChar char="§"/>
+            </a:pPr>
+            <a:r>
+              <a:rPr lang="en-US" sz="2000" dirty="0" smtClean="0"/>
+              <a:t>Describe proposed </a:t>
+            </a:r>
+            <a:r>
+              <a:rPr lang="en-US" sz="2000" dirty="0"/>
+              <a:t>r</a:t>
+            </a:r>
+            <a:r>
+              <a:rPr lang="en-US" sz="2000" dirty="0" smtClean="0"/>
+              <a:t>elease plan</a:t>
+            </a:r>
+          </a:p>
+          <a:p>
+            <a:pPr lvl="1" indent="-457200">
+              <a:lnSpc>
+                <a:spcPct val="150000"/>
+              </a:lnSpc>
+              <a:buFont typeface="Wingdings" panose="05000000000000000000" pitchFamily="2" charset="2"/>
+              <a:buChar char="§"/>
+            </a:pPr>
+            <a:r>
+              <a:rPr lang="en-US" sz="2000" dirty="0" smtClean="0"/>
+              <a:t>Discuss timeline</a:t>
+            </a:r>
+          </a:p>
+          <a:p>
+            <a:pPr lvl="1" indent="-457200">
+              <a:lnSpc>
+                <a:spcPct val="150000"/>
+              </a:lnSpc>
+              <a:buFont typeface="Wingdings" panose="05000000000000000000" pitchFamily="2" charset="2"/>
+              <a:buChar char="§"/>
+            </a:pPr>
+            <a:r>
+              <a:rPr lang="en-US" sz="2000" dirty="0" smtClean="0"/>
+              <a:t>Discuss next steps</a:t>
+            </a:r>
+          </a:p>
+          <a:p>
+            <a:pPr>
+              <a:lnSpc>
+                <a:spcPct val="150000"/>
+              </a:lnSpc>
+            </a:pPr>
+            <a:endParaRPr lang="en-US" sz="1900" dirty="0" smtClean="0"/>
+          </a:p>
+          <a:p>
+            <a:pPr>
+              <a:lnSpc>
+                <a:spcPct val="150000"/>
+              </a:lnSpc>
+            </a:pPr>
+            <a:endParaRPr lang="en-US" sz="1900" dirty="0"/>
+          </a:p>
+          <a:p>
+            <a:pPr marL="0" indent="0">
               <a:buNone/>
             </a:pPr>
-            <a:endParaRPr lang="en-US" sz="1200" dirty="0" smtClean="0"/>
+            <a:endParaRPr lang="en-US" dirty="0"/>
           </a:p>
         </p:txBody>
       </p:sp>
     </p:spTree>
     <p:extLst>
       <p:ext uri="{BB962C8B-B14F-4D97-AF65-F5344CB8AC3E}">
-        <p14:creationId xmlns:p14="http://schemas.microsoft.com/office/powerpoint/2010/main" val="1399676360"/>
+        <p14:creationId xmlns:p14="http://schemas.microsoft.com/office/powerpoint/2010/main" val="3425540830"/>
       </p:ext>
     </p:extLst>
   </p:cSld>
   <p:clrMapOvr>
     <a:masterClrMapping/>
   </p:clrMapOvr>
+  <mc:AlternateContent xmlns:mc="http://schemas.openxmlformats.org/markup-compatibility/2006" xmlns:p14="http://schemas.microsoft.com/office/powerpoint/2010/main">
+    <mc:Choice Requires="p14">
+      <p:transition spd="slow" p14:dur="2000"/>
+    </mc:Choice>
+    <mc:Fallback xmlns="">
+      <p:transition spd="slow"/>
+    </mc:Fallback>
+  </mc:AlternateContent>
   <p:timing>
     <p:tnLst>
       <p:par>
@@ -9425,24 +9390,24 @@
         </p:nvSpPr>
         <p:spPr>
           <a:xfrm>
-            <a:off x="457200" y="457201"/>
-            <a:ext cx="8165592" cy="610136"/>
+            <a:off x="493776" y="228600"/>
+            <a:ext cx="8165592" cy="533400"/>
           </a:xfrm>
         </p:spPr>
         <p:txBody>
           <a:bodyPr/>
           <a:lstStyle/>
           <a:p>
-            <a:pPr lvl="0"/>
-            <a:r>
-              <a:rPr lang="en-US" b="1" dirty="0" smtClean="0"/>
-              <a:t/>
-            </a:r>
-            <a:br>
-              <a:rPr lang="en-US" b="1" dirty="0" smtClean="0"/>
-            </a:br>
-            <a:r>
-              <a:rPr lang="en-US" b="1" dirty="0" smtClean="0">
+            <a:pPr marL="228600" lvl="1">
+              <a:lnSpc>
+                <a:spcPct val="150000"/>
+              </a:lnSpc>
+            </a:pPr>
+            <a:r>
+              <a:rPr lang="en-US" sz="2400" b="1" kern="1200" dirty="0" smtClean="0">
+                <a:solidFill>
+                  <a:srgbClr val="123E57"/>
+                </a:solidFill>
                 <a:effectLst>
                   <a:outerShdw blurRad="38100" dist="38100" dir="2700000" algn="tl">
                     <a:srgbClr val="000000">
@@ -9453,16 +9418,22 @@
                 <a:latin typeface="Arial" panose="020B0604020202020204" pitchFamily="34" charset="0"/>
                 <a:cs typeface="Arial" panose="020B0604020202020204" pitchFamily="34" charset="0"/>
               </a:rPr>
-              <a:t>Meeting purpose</a:t>
-            </a:r>
-            <a:r>
-              <a:rPr lang="en-US" dirty="0"/>
-              <a:t/>
-            </a:r>
-            <a:br>
-              <a:rPr lang="en-US" dirty="0"/>
-            </a:br>
-            <a:endParaRPr lang="en-US" dirty="0"/>
+              <a:t>Project scope overview</a:t>
+            </a:r>
+            <a:endParaRPr lang="en-US" sz="2400" b="1" kern="1200" dirty="0">
+              <a:solidFill>
+                <a:srgbClr val="123E57"/>
+              </a:solidFill>
+              <a:effectLst>
+                <a:outerShdw blurRad="38100" dist="38100" dir="2700000" algn="tl">
+                  <a:srgbClr val="000000">
+                    <a:alpha val="43137"/>
+                  </a:srgbClr>
+                </a:outerShdw>
+              </a:effectLst>
+              <a:latin typeface="Arial" panose="020B0604020202020204" pitchFamily="34" charset="0"/>
+              <a:cs typeface="Arial" panose="020B0604020202020204" pitchFamily="34" charset="0"/>
+            </a:endParaRPr>
           </a:p>
         </p:txBody>
       </p:sp>
@@ -9478,257 +9449,45 @@
         </p:nvSpPr>
         <p:spPr>
           <a:xfrm>
-            <a:off x="457200" y="1067336"/>
-            <a:ext cx="8165592" cy="5409663"/>
+            <a:off x="493776" y="838200"/>
+            <a:ext cx="8345424" cy="5867400"/>
           </a:xfrm>
         </p:spPr>
         <p:txBody>
           <a:bodyPr/>
           <a:lstStyle/>
           <a:p>
-            <a:pPr lvl="1" indent="-457200">
-              <a:lnSpc>
-                <a:spcPct val="150000"/>
-              </a:lnSpc>
-              <a:buFont typeface="Wingdings" panose="05000000000000000000" pitchFamily="2" charset="2"/>
-              <a:buChar char="§"/>
-            </a:pPr>
-            <a:r>
-              <a:rPr lang="en-US" sz="2000" dirty="0" smtClean="0"/>
-              <a:t>Provide overview of the </a:t>
-            </a:r>
-            <a:r>
-              <a:rPr lang="en-US" sz="2000" dirty="0"/>
-              <a:t>project </a:t>
-            </a:r>
-            <a:r>
-              <a:rPr lang="en-US" sz="2000" dirty="0" smtClean="0"/>
-              <a:t>scope</a:t>
-            </a:r>
-          </a:p>
-          <a:p>
-            <a:pPr lvl="1" indent="-457200">
-              <a:lnSpc>
-                <a:spcPct val="150000"/>
-              </a:lnSpc>
-              <a:buFont typeface="Wingdings" panose="05000000000000000000" pitchFamily="2" charset="2"/>
-              <a:buChar char="§"/>
-            </a:pPr>
-            <a:r>
-              <a:rPr lang="en-US" sz="2000" dirty="0" smtClean="0"/>
-              <a:t>Describe proposed </a:t>
-            </a:r>
-            <a:r>
-              <a:rPr lang="en-US" sz="2000" dirty="0"/>
-              <a:t>r</a:t>
-            </a:r>
-            <a:r>
-              <a:rPr lang="en-US" sz="2000" dirty="0" smtClean="0"/>
-              <a:t>elease plan</a:t>
-            </a:r>
-          </a:p>
-          <a:p>
-            <a:pPr lvl="1" indent="-457200">
-              <a:lnSpc>
-                <a:spcPct val="150000"/>
-              </a:lnSpc>
-              <a:buFont typeface="Wingdings" panose="05000000000000000000" pitchFamily="2" charset="2"/>
-              <a:buChar char="§"/>
-            </a:pPr>
-            <a:r>
-              <a:rPr lang="en-US" sz="2000" dirty="0" smtClean="0"/>
-              <a:t>Discuss timeline</a:t>
-            </a:r>
-          </a:p>
-          <a:p>
-            <a:pPr lvl="1" indent="-457200">
-              <a:lnSpc>
-                <a:spcPct val="150000"/>
-              </a:lnSpc>
-              <a:buFont typeface="Wingdings" panose="05000000000000000000" pitchFamily="2" charset="2"/>
-              <a:buChar char="§"/>
-            </a:pPr>
-            <a:r>
-              <a:rPr lang="en-US" sz="2000" dirty="0" smtClean="0"/>
-              <a:t>Discuss next steps</a:t>
-            </a:r>
-          </a:p>
-          <a:p>
-            <a:pPr>
-              <a:lnSpc>
-                <a:spcPct val="150000"/>
-              </a:lnSpc>
-            </a:pPr>
-            <a:endParaRPr lang="en-US" sz="1900" dirty="0" smtClean="0"/>
-          </a:p>
-          <a:p>
-            <a:pPr>
-              <a:lnSpc>
-                <a:spcPct val="150000"/>
-              </a:lnSpc>
-            </a:pPr>
-            <a:endParaRPr lang="en-US" sz="1900" dirty="0"/>
-          </a:p>
-          <a:p>
             <a:pPr marL="0" indent="0">
               <a:buNone/>
             </a:pPr>
-            <a:endParaRPr lang="en-US" dirty="0"/>
-          </a:p>
-        </p:txBody>
-      </p:sp>
-    </p:spTree>
-    <p:extLst>
-      <p:ext uri="{BB962C8B-B14F-4D97-AF65-F5344CB8AC3E}">
-        <p14:creationId xmlns:p14="http://schemas.microsoft.com/office/powerpoint/2010/main" val="3425540830"/>
-      </p:ext>
-    </p:extLst>
-  </p:cSld>
-  <p:clrMapOvr>
-    <a:masterClrMapping/>
-  </p:clrMapOvr>
-  <mc:AlternateContent xmlns:mc="http://schemas.openxmlformats.org/markup-compatibility/2006" xmlns:p14="http://schemas.microsoft.com/office/powerpoint/2010/main">
-    <mc:Choice Requires="p14">
-      <p:transition spd="slow" p14:dur="2000"/>
-    </mc:Choice>
-    <mc:Fallback xmlns="">
-      <p:transition spd="slow"/>
-    </mc:Fallback>
-  </mc:AlternateContent>
-  <p:timing>
-    <p:tnLst>
-      <p:par>
-        <p:cTn id="1" dur="indefinite" restart="never" nodeType="tmRoot"/>
-      </p:par>
-    </p:tnLst>
-  </p:timing>
-</p:sld>
-</file>
-
-<file path=ppt/slides/slide4.xml><?xml version="1.0" encoding="utf-8"?>
-<p:sld xmlns:a="http://schemas.openxmlformats.org/drawingml/2006/main" xmlns:r="http://schemas.openxmlformats.org/officeDocument/2006/relationships" xmlns:p="http://schemas.openxmlformats.org/presentationml/2006/main">
-  <p:cSld>
-    <p:spTree>
-      <p:nvGrpSpPr>
-        <p:cNvPr id="1" name=""/>
-        <p:cNvGrpSpPr/>
-        <p:nvPr/>
-      </p:nvGrpSpPr>
-      <p:grpSpPr>
-        <a:xfrm>
-          <a:off x="0" y="0"/>
-          <a:ext cx="0" cy="0"/>
-          <a:chOff x="0" y="0"/>
-          <a:chExt cx="0" cy="0"/>
-        </a:xfrm>
-      </p:grpSpPr>
-      <p:sp>
-        <p:nvSpPr>
-          <p:cNvPr id="2" name="Title 1"/>
-          <p:cNvSpPr>
-            <a:spLocks noGrp="1"/>
-          </p:cNvSpPr>
-          <p:nvPr>
-            <p:ph type="title"/>
-          </p:nvPr>
-        </p:nvSpPr>
-        <p:spPr>
-          <a:xfrm>
-            <a:off x="493776" y="228600"/>
-            <a:ext cx="8165592" cy="533400"/>
-          </a:xfrm>
-        </p:spPr>
-        <p:txBody>
-          <a:bodyPr/>
-          <a:lstStyle/>
-          <a:p>
-            <a:pPr marL="228600" lvl="1">
-              <a:lnSpc>
-                <a:spcPct val="150000"/>
-              </a:lnSpc>
-            </a:pPr>
-            <a:r>
-              <a:rPr lang="en-US" sz="2400" b="1" kern="1200" dirty="0" smtClean="0">
-                <a:solidFill>
-                  <a:srgbClr val="123E57"/>
-                </a:solidFill>
-                <a:effectLst>
-                  <a:outerShdw blurRad="38100" dist="38100" dir="2700000" algn="tl">
-                    <a:srgbClr val="000000">
-                      <a:alpha val="43137"/>
-                    </a:srgbClr>
-                  </a:outerShdw>
-                </a:effectLst>
-                <a:latin typeface="Arial" panose="020B0604020202020204" pitchFamily="34" charset="0"/>
-                <a:cs typeface="Arial" panose="020B0604020202020204" pitchFamily="34" charset="0"/>
-              </a:rPr>
-              <a:t>Project scope overview</a:t>
-            </a:r>
-            <a:endParaRPr lang="en-US" sz="2400" b="1" kern="1200" dirty="0">
-              <a:solidFill>
-                <a:srgbClr val="123E57"/>
-              </a:solidFill>
-              <a:effectLst>
-                <a:outerShdw blurRad="38100" dist="38100" dir="2700000" algn="tl">
-                  <a:srgbClr val="000000">
-                    <a:alpha val="43137"/>
-                  </a:srgbClr>
-                </a:outerShdw>
-              </a:effectLst>
-              <a:latin typeface="Arial" panose="020B0604020202020204" pitchFamily="34" charset="0"/>
-              <a:cs typeface="Arial" panose="020B0604020202020204" pitchFamily="34" charset="0"/>
-            </a:endParaRPr>
-          </a:p>
-        </p:txBody>
-      </p:sp>
-      <p:sp>
-        <p:nvSpPr>
-          <p:cNvPr id="3" name="Content Placeholder 2"/>
-          <p:cNvSpPr>
-            <a:spLocks noGrp="1"/>
-          </p:cNvSpPr>
-          <p:nvPr>
-            <p:ph sz="quarter" idx="11"/>
-          </p:nvPr>
-        </p:nvSpPr>
-        <p:spPr>
-          <a:xfrm>
-            <a:off x="493776" y="1066800"/>
-            <a:ext cx="8345424" cy="5638800"/>
-          </a:xfrm>
-        </p:spPr>
-        <p:txBody>
-          <a:bodyPr/>
-          <a:lstStyle/>
-          <a:p>
             <a:r>
               <a:rPr lang="en-US" sz="1800" b="1" dirty="0" smtClean="0"/>
-              <a:t>Proposed Enhancements (Business Case):</a:t>
+              <a:t>CBIIT understanding of the scope to be confirmed by OGA:</a:t>
             </a:r>
             <a:endParaRPr lang="en-US" sz="1800" b="1" dirty="0"/>
           </a:p>
           <a:p>
-            <a:pPr marL="400050" lvl="4" indent="-171450">
+            <a:pPr marL="171450" lvl="3" indent="-171450">
               <a:spcBef>
                 <a:spcPts val="0"/>
               </a:spcBef>
               <a:defRPr/>
             </a:pPr>
             <a:r>
-              <a:rPr lang="en-US" dirty="0" smtClean="0"/>
+              <a:rPr lang="en-US" sz="1400" dirty="0" smtClean="0"/>
               <a:t>Provide </a:t>
             </a:r>
             <a:r>
-              <a:rPr lang="en-US" dirty="0"/>
+              <a:rPr lang="en-US" sz="1400" dirty="0"/>
               <a:t>reporting </a:t>
             </a:r>
             <a:r>
-              <a:rPr lang="en-US" dirty="0" smtClean="0"/>
+              <a:rPr lang="en-US" sz="1400" dirty="0" smtClean="0"/>
               <a:t>capabilities</a:t>
             </a:r>
           </a:p>
           <a:p>
-            <a:pPr marL="514350" lvl="4" indent="-285750">
+            <a:pPr marL="285750" lvl="3" indent="-285750">
               <a:spcBef>
                 <a:spcPts val="0"/>
               </a:spcBef>
@@ -9742,7 +9501,7 @@
             </a:r>
           </a:p>
           <a:p>
-            <a:pPr marL="514350" lvl="4" indent="-285750">
+            <a:pPr marL="285750" lvl="3" indent="-285750">
               <a:spcBef>
                 <a:spcPts val="0"/>
               </a:spcBef>
@@ -9772,44 +9531,109 @@
             </a:r>
           </a:p>
           <a:p>
-            <a:pPr marL="400050" lvl="4" indent="-171450">
+            <a:pPr marL="171450" lvl="3" indent="-171450">
               <a:spcBef>
                 <a:spcPts val="0"/>
               </a:spcBef>
               <a:defRPr/>
             </a:pPr>
             <a:r>
-              <a:rPr lang="en-US" dirty="0" smtClean="0"/>
+              <a:rPr lang="en-US" sz="1400" dirty="0" smtClean="0"/>
               <a:t>Enhance </a:t>
             </a:r>
             <a:r>
-              <a:rPr lang="en-US" dirty="0"/>
+              <a:rPr lang="en-US" sz="1400" dirty="0"/>
               <a:t>search </a:t>
             </a:r>
             <a:r>
-              <a:rPr lang="en-US" dirty="0" smtClean="0"/>
+              <a:rPr lang="en-US" sz="1400" dirty="0" smtClean="0"/>
               <a:t>capabilities</a:t>
             </a:r>
           </a:p>
           <a:p>
-            <a:pPr marL="400050" lvl="4" indent="-171450">
+            <a:pPr marL="171450" lvl="3" indent="-171450">
               <a:spcBef>
                 <a:spcPts val="0"/>
               </a:spcBef>
               <a:defRPr/>
             </a:pPr>
             <a:r>
-              <a:rPr lang="en-US" dirty="0" smtClean="0"/>
+              <a:rPr lang="en-US" sz="1400" dirty="0" smtClean="0"/>
               <a:t>UI </a:t>
             </a:r>
             <a:r>
-              <a:rPr lang="en-US" dirty="0"/>
-              <a:t>modernization and usability (e.g. add a link to policy for each or some questions</a:t>
-            </a:r>
-            <a:r>
-              <a:rPr lang="en-US" dirty="0" smtClean="0"/>
-              <a:t>)</a:t>
-            </a:r>
+              <a:rPr lang="en-US" sz="1400" dirty="0"/>
+              <a:t>modernization and usability (e.g. add a link to policy for each or some </a:t>
+            </a:r>
+            <a:r>
+              <a:rPr lang="en-US" sz="1400" dirty="0" smtClean="0"/>
+              <a:t>questions)</a:t>
+            </a:r>
+          </a:p>
+          <a:p>
+            <a:pPr marL="171450" lvl="3" indent="-171450">
+              <a:spcBef>
+                <a:spcPts val="0"/>
+              </a:spcBef>
+              <a:defRPr/>
+            </a:pPr>
+            <a:r>
+              <a:rPr lang="en-US" sz="1400" dirty="0" smtClean="0"/>
+              <a:t>Possible </a:t>
+            </a:r>
+            <a:r>
+              <a:rPr lang="en-US" sz="1400" dirty="0"/>
+              <a:t>changes to streamline the </a:t>
+            </a:r>
+            <a:r>
+              <a:rPr lang="en-US" sz="1400" dirty="0" smtClean="0"/>
+              <a:t>flow</a:t>
+            </a:r>
+          </a:p>
+          <a:p>
+            <a:pPr marL="171450" lvl="3" indent="-171450">
+              <a:spcBef>
+                <a:spcPts val="0"/>
+              </a:spcBef>
+              <a:defRPr/>
+            </a:pPr>
+            <a:r>
+              <a:rPr lang="en-US" sz="1400" dirty="0" smtClean="0"/>
+              <a:t>Update </a:t>
+            </a:r>
+            <a:r>
+              <a:rPr lang="en-US" sz="1400" dirty="0"/>
+              <a:t>technology to be in compliance with NIH/NCI security policies</a:t>
+            </a:r>
+          </a:p>
+          <a:p>
+            <a:pPr marL="171450" lvl="3" indent="-171450">
+              <a:spcBef>
+                <a:spcPts val="0"/>
+              </a:spcBef>
+              <a:defRPr/>
+            </a:pPr>
+            <a:r>
+              <a:rPr lang="en-US" sz="1400" dirty="0"/>
+              <a:t>Fix recurring production </a:t>
+            </a:r>
+            <a:r>
+              <a:rPr lang="en-US" sz="1400" dirty="0" smtClean="0"/>
+              <a:t>issues</a:t>
+            </a:r>
+          </a:p>
+          <a:p>
+            <a:pPr marL="171450" lvl="3" indent="-171450">
+              <a:spcBef>
+                <a:spcPts val="0"/>
+              </a:spcBef>
+              <a:defRPr/>
+            </a:pPr>
+            <a:r>
+              <a:rPr lang="en-US" sz="1400" dirty="0" smtClean="0"/>
+              <a:t>Providing test environment for OGA</a:t>
+            </a:r>
+            <a:endParaRPr lang="en-US" sz="1400" dirty="0"/>
           </a:p>
           <a:p>
             <a:pPr marL="400050" lvl="4" indent="-171450" fontAlgn="auto">
@@ -9825,106 +9649,96 @@
             <a:endParaRPr lang="en-US" sz="1200" dirty="0" smtClean="0"/>
           </a:p>
           <a:p>
-            <a:pPr marL="228600" lvl="4">
+            <a:pPr marL="0" lvl="4" indent="0">
+              <a:buNone/>
               <a:defRPr/>
             </a:pPr>
             <a:r>
               <a:rPr lang="en-US" sz="1800" b="1" dirty="0" smtClean="0"/>
-              <a:t>Proposed Enhancements (Additional Needs):</a:t>
-            </a:r>
-          </a:p>
-          <a:p>
-            <a:pPr marL="400050" lvl="4" indent="-171450" fontAlgn="auto">
+              <a:t>Examples of additional </a:t>
+            </a:r>
+            <a:r>
+              <a:rPr lang="en-US" sz="1800" b="1" dirty="0" smtClean="0"/>
+              <a:t>business n</a:t>
+            </a:r>
+            <a:r>
+              <a:rPr lang="en-US" sz="1800" b="1" dirty="0" smtClean="0"/>
+              <a:t>eeds for discussion:</a:t>
+            </a:r>
+            <a:endParaRPr lang="en-US" sz="1800" b="1" dirty="0" smtClean="0"/>
+          </a:p>
+          <a:p>
+            <a:pPr marL="171450" lvl="3" indent="-171450">
               <a:spcBef>
                 <a:spcPts val="0"/>
               </a:spcBef>
-              <a:spcAft>
-                <a:spcPts val="0"/>
-              </a:spcAft>
-              <a:buClrTx/>
               <a:defRPr/>
             </a:pPr>
             <a:r>
-              <a:rPr lang="en-US" dirty="0" smtClean="0"/>
-              <a:t>Address needs with revised awards and work in progress supplements</a:t>
-            </a:r>
-          </a:p>
-          <a:p>
-            <a:pPr marL="400050" lvl="4" indent="-171450" fontAlgn="auto">
+              <a:rPr lang="en-US" sz="1400" dirty="0"/>
+              <a:t>Accommodating revised </a:t>
+            </a:r>
+            <a:r>
+              <a:rPr lang="en-US" sz="1400" dirty="0" smtClean="0"/>
+              <a:t>awards</a:t>
+            </a:r>
+          </a:p>
+          <a:p>
+            <a:pPr marL="171450" lvl="3" indent="-171450">
               <a:spcBef>
                 <a:spcPts val="0"/>
               </a:spcBef>
-              <a:spcAft>
-                <a:spcPts val="0"/>
-              </a:spcAft>
-              <a:buClrTx/>
               <a:defRPr/>
             </a:pPr>
             <a:r>
-              <a:rPr lang="en-US" dirty="0" smtClean="0"/>
-              <a:t>Form Builder </a:t>
-            </a:r>
-            <a:r>
-              <a:rPr lang="en-US" dirty="0"/>
-              <a:t>e</a:t>
-            </a:r>
-            <a:r>
-              <a:rPr lang="en-US" dirty="0" smtClean="0"/>
-              <a:t>nhancements </a:t>
-            </a:r>
-            <a:r>
-              <a:rPr lang="en-US" sz="1400" dirty="0"/>
-              <a:t>(e.g. breaking up modules into smaller parts and deploying separately, using </a:t>
-            </a:r>
-            <a:r>
-              <a:rPr lang="en-US" sz="1400" dirty="0"/>
-              <a:t>additional capabilities </a:t>
-            </a:r>
-            <a:r>
-              <a:rPr lang="en-US" sz="1400" dirty="0"/>
-              <a:t>of FB, providing test environment for OGA)</a:t>
-            </a:r>
-            <a:endParaRPr lang="en-US" sz="1400" dirty="0"/>
-          </a:p>
-          <a:p>
-            <a:pPr marL="400050" lvl="4" indent="-171450" fontAlgn="auto">
+              <a:rPr lang="en-US" sz="1400" dirty="0" smtClean="0"/>
+              <a:t>Enhancements related to </a:t>
+            </a:r>
+            <a:r>
+              <a:rPr lang="en-US" sz="1400" dirty="0" smtClean="0"/>
+              <a:t>work </a:t>
+            </a:r>
+            <a:r>
+              <a:rPr lang="en-US" sz="1400" dirty="0" smtClean="0"/>
+              <a:t>in progress </a:t>
+            </a:r>
+            <a:r>
+              <a:rPr lang="en-US" sz="1400" dirty="0" smtClean="0"/>
+              <a:t>supplements</a:t>
+            </a:r>
+          </a:p>
+          <a:p>
+            <a:pPr marL="171450" lvl="3" indent="-171450">
               <a:spcBef>
                 <a:spcPts val="0"/>
               </a:spcBef>
-              <a:spcAft>
-                <a:spcPts val="0"/>
-              </a:spcAft>
-              <a:buClrTx/>
               <a:defRPr/>
             </a:pPr>
             <a:r>
-              <a:rPr lang="en-US" dirty="0"/>
-              <a:t>Changes to </a:t>
-            </a:r>
-            <a:r>
-              <a:rPr lang="en-US" dirty="0" smtClean="0"/>
-              <a:t>screen </a:t>
-            </a:r>
-            <a:r>
-              <a:rPr lang="en-US" dirty="0"/>
-              <a:t>flow and navigation</a:t>
-            </a:r>
-          </a:p>
-          <a:p>
-            <a:pPr marL="400050" lvl="4" indent="-171450" fontAlgn="auto">
-              <a:spcBef>
-                <a:spcPts val="0"/>
-              </a:spcBef>
-              <a:spcAft>
-                <a:spcPts val="0"/>
-              </a:spcAft>
-              <a:buClrTx/>
-              <a:defRPr/>
-            </a:pPr>
-            <a:r>
-              <a:rPr lang="en-US" dirty="0" smtClean="0"/>
-              <a:t>Update technology to be in compliance with NIH/NCI security policies</a:t>
-            </a:r>
+              <a:rPr lang="en-US" sz="1400" dirty="0" smtClean="0"/>
+              <a:t>Form </a:t>
+            </a:r>
+            <a:r>
+              <a:rPr lang="en-US" sz="1400" dirty="0" smtClean="0"/>
+              <a:t>Builder </a:t>
+            </a:r>
+            <a:r>
+              <a:rPr lang="en-US" sz="1400" dirty="0"/>
+              <a:t>e</a:t>
+            </a:r>
+            <a:r>
+              <a:rPr lang="en-US" sz="1400" dirty="0" smtClean="0"/>
+              <a:t>nhancements </a:t>
+            </a:r>
+            <a:r>
+              <a:rPr lang="en-US" sz="1400" dirty="0"/>
+              <a:t>(e.g. breaking up modules into smaller parts and deploying separately, using additional capabilities of </a:t>
+            </a:r>
+            <a:r>
+              <a:rPr lang="en-US" sz="1400" dirty="0" smtClean="0"/>
+              <a:t>FB)</a:t>
+            </a:r>
+            <a:endParaRPr lang="en-US" sz="1400" dirty="0"/>
           </a:p>
           <a:p>
             <a:pPr marL="400050" lvl="4" indent="-171450" fontAlgn="auto">
@@ -9940,7 +9754,7 @@
             <a:endParaRPr lang="en-US" b="1" dirty="0"/>
           </a:p>
           <a:p>
-            <a:pPr marL="171450" lvl="3" indent="-171450" fontAlgn="auto">
+            <a:pPr marL="228600" lvl="4" indent="0" fontAlgn="auto">
               <a:spcBef>
                 <a:spcPts val="0"/>
               </a:spcBef>
@@ -9948,26 +9762,7 @@
                 <a:spcPts val="0"/>
               </a:spcAft>
               <a:buClrTx/>
-              <a:defRPr/>
-            </a:pPr>
-            <a:r>
-              <a:rPr lang="en-US" sz="1800" b="1" dirty="0" smtClean="0"/>
-              <a:t>Fix </a:t>
-            </a:r>
-            <a:r>
-              <a:rPr lang="en-US" sz="1800" b="1" dirty="0"/>
-              <a:t>recurring production issues</a:t>
-            </a:r>
-          </a:p>
-          <a:p>
-            <a:pPr marL="400050" lvl="4" indent="-171450" fontAlgn="auto">
-              <a:spcBef>
-                <a:spcPts val="0"/>
-              </a:spcBef>
-              <a:spcAft>
-                <a:spcPts val="0"/>
-              </a:spcAft>
-              <a:buClrTx/>
+              <a:buNone/>
               <a:defRPr/>
             </a:pPr>
             <a:endParaRPr lang="en-US" dirty="0" smtClean="0"/>
@@ -10003,7 +9798,7 @@
 </p:sld>
 </file>
 
-<file path=ppt/slides/slide5.xml><?xml version="1.0" encoding="utf-8"?>
+<file path=ppt/slides/slide4.xml><?xml version="1.0" encoding="utf-8"?>
 <p:sld xmlns:a="http://schemas.openxmlformats.org/drawingml/2006/main" xmlns:r="http://schemas.openxmlformats.org/officeDocument/2006/relationships" xmlns:p="http://schemas.openxmlformats.org/presentationml/2006/main">
   <p:cSld>
     <p:spTree>
@@ -10544,6 +10339,165 @@
 </p:sld>
 </file>
 
+<file path=ppt/slides/slide5.xml><?xml version="1.0" encoding="utf-8"?>
+<p:sld xmlns:a="http://schemas.openxmlformats.org/drawingml/2006/main" xmlns:r="http://schemas.openxmlformats.org/officeDocument/2006/relationships" xmlns:p="http://schemas.openxmlformats.org/presentationml/2006/main">
+  <p:cSld>
+    <p:spTree>
+      <p:nvGrpSpPr>
+        <p:cNvPr id="1" name=""/>
+        <p:cNvGrpSpPr/>
+        <p:nvPr/>
+      </p:nvGrpSpPr>
+      <p:grpSpPr>
+        <a:xfrm>
+          <a:off x="0" y="0"/>
+          <a:ext cx="0" cy="0"/>
+          <a:chOff x="0" y="0"/>
+          <a:chExt cx="0" cy="0"/>
+        </a:xfrm>
+      </p:grpSpPr>
+      <p:sp>
+        <p:nvSpPr>
+          <p:cNvPr id="2" name="Title 1"/>
+          <p:cNvSpPr>
+            <a:spLocks noGrp="1"/>
+          </p:cNvSpPr>
+          <p:nvPr>
+            <p:ph type="title"/>
+          </p:nvPr>
+        </p:nvSpPr>
+        <p:spPr/>
+        <p:txBody>
+          <a:bodyPr/>
+          <a:lstStyle/>
+          <a:p>
+            <a:r>
+              <a:rPr lang="en-US" b="1" dirty="0" smtClean="0">
+                <a:effectLst>
+                  <a:outerShdw blurRad="38100" dist="38100" dir="2700000" algn="tl">
+                    <a:srgbClr val="000000">
+                      <a:alpha val="43137"/>
+                    </a:srgbClr>
+                  </a:outerShdw>
+                </a:effectLst>
+              </a:rPr>
+              <a:t>Timeline Discussion</a:t>
+            </a:r>
+            <a:endParaRPr lang="en-US" b="1" dirty="0">
+              <a:effectLst>
+                <a:outerShdw blurRad="38100" dist="38100" dir="2700000" algn="tl">
+                  <a:srgbClr val="000000">
+                    <a:alpha val="43137"/>
+                  </a:srgbClr>
+                </a:outerShdw>
+              </a:effectLst>
+            </a:endParaRPr>
+          </a:p>
+        </p:txBody>
+      </p:sp>
+      <p:sp>
+        <p:nvSpPr>
+          <p:cNvPr id="3" name="Content Placeholder 2"/>
+          <p:cNvSpPr>
+            <a:spLocks noGrp="1"/>
+          </p:cNvSpPr>
+          <p:nvPr>
+            <p:ph sz="quarter" idx="11"/>
+          </p:nvPr>
+        </p:nvSpPr>
+        <p:spPr>
+          <a:xfrm>
+            <a:off x="481521" y="1219200"/>
+            <a:ext cx="8165592" cy="5008033"/>
+          </a:xfrm>
+        </p:spPr>
+        <p:txBody>
+          <a:bodyPr/>
+          <a:lstStyle/>
+          <a:p>
+            <a:r>
+              <a:rPr lang="en-US" dirty="0"/>
+              <a:t>Does OGA have any </a:t>
+            </a:r>
+            <a:r>
+              <a:rPr lang="en-US" dirty="0" smtClean="0"/>
+              <a:t>deadlines </a:t>
+            </a:r>
+            <a:r>
+              <a:rPr lang="en-US" dirty="0"/>
+              <a:t>that must be met for this project?</a:t>
+            </a:r>
+          </a:p>
+          <a:p>
+            <a:r>
+              <a:rPr lang="en-US" dirty="0"/>
+              <a:t>C</a:t>
+            </a:r>
+            <a:r>
+              <a:rPr lang="en-US" dirty="0" smtClean="0"/>
+              <a:t>onfirm </a:t>
+            </a:r>
+            <a:r>
+              <a:rPr lang="en-US" dirty="0"/>
+              <a:t>that future requests for ad-hoc reporting will be only for the data collected </a:t>
+            </a:r>
+            <a:r>
+              <a:rPr lang="en-US" dirty="0" smtClean="0"/>
+              <a:t>starting in a new FY </a:t>
+            </a:r>
+            <a:r>
+              <a:rPr lang="en-US" dirty="0"/>
+              <a:t>and historical data is NOT needed for reporting (clean-start approach</a:t>
+            </a:r>
+            <a:r>
+              <a:rPr lang="en-US" dirty="0" smtClean="0"/>
+              <a:t>).</a:t>
+            </a:r>
+          </a:p>
+          <a:p>
+            <a:r>
+              <a:rPr lang="en-US" dirty="0" smtClean="0"/>
+              <a:t>Should historical data be migrated?</a:t>
+            </a:r>
+            <a:endParaRPr lang="en-US" dirty="0" smtClean="0"/>
+          </a:p>
+          <a:p>
+            <a:r>
+              <a:rPr lang="en-US" dirty="0" smtClean="0"/>
+              <a:t>What is stakeholders</a:t>
+            </a:r>
+            <a:r>
+              <a:rPr lang="en-US" dirty="0"/>
+              <a:t>’ </a:t>
+            </a:r>
+            <a:r>
+              <a:rPr lang="en-US" dirty="0" smtClean="0"/>
+              <a:t>availability to meet?</a:t>
+            </a:r>
+            <a:endParaRPr lang="en-US" dirty="0"/>
+          </a:p>
+        </p:txBody>
+      </p:sp>
+    </p:spTree>
+    <p:extLst>
+      <p:ext uri="{BB962C8B-B14F-4D97-AF65-F5344CB8AC3E}">
+        <p14:creationId xmlns:p14="http://schemas.microsoft.com/office/powerpoint/2010/main" val="4211948641"/>
+      </p:ext>
+    </p:extLst>
+  </p:cSld>
+  <p:clrMapOvr>
+    <a:masterClrMapping/>
+  </p:clrMapOvr>
+  <p:timing>
+    <p:tnLst>
+      <p:par>
+        <p:cTn id="1" dur="indefinite" restart="never" nodeType="tmRoot"/>
+      </p:par>
+    </p:tnLst>
+  </p:timing>
+</p:sld>
+</file>
+
 <file path=ppt/slides/slide6.xml><?xml version="1.0" encoding="utf-8"?>
 <p:sld xmlns:a="http://schemas.openxmlformats.org/drawingml/2006/main" xmlns:r="http://schemas.openxmlformats.org/officeDocument/2006/relationships" xmlns:p="http://schemas.openxmlformats.org/presentationml/2006/main">
   <p:cSld>
@@ -10585,162 +10539,6 @@
                     </a:srgbClr>
                   </a:outerShdw>
                 </a:effectLst>
-              </a:rPr>
-              <a:t>Timeline Discussion</a:t>
-            </a:r>
-            <a:endParaRPr lang="en-US" b="1" dirty="0">
-              <a:effectLst>
-                <a:outerShdw blurRad="38100" dist="38100" dir="2700000" algn="tl">
-                  <a:srgbClr val="000000">
-                    <a:alpha val="43137"/>
-                  </a:srgbClr>
-                </a:outerShdw>
-              </a:effectLst>
-            </a:endParaRPr>
-          </a:p>
-        </p:txBody>
-      </p:sp>
-      <p:sp>
-        <p:nvSpPr>
-          <p:cNvPr id="3" name="Content Placeholder 2"/>
-          <p:cNvSpPr>
-            <a:spLocks noGrp="1"/>
-          </p:cNvSpPr>
-          <p:nvPr>
-            <p:ph sz="quarter" idx="11"/>
-          </p:nvPr>
-        </p:nvSpPr>
-        <p:spPr>
-          <a:xfrm>
-            <a:off x="481521" y="1219200"/>
-            <a:ext cx="8165592" cy="5008033"/>
-          </a:xfrm>
-        </p:spPr>
-        <p:txBody>
-          <a:bodyPr/>
-          <a:lstStyle/>
-          <a:p>
-            <a:r>
-              <a:rPr lang="en-US" dirty="0"/>
-              <a:t>Does OGA have any </a:t>
-            </a:r>
-            <a:r>
-              <a:rPr lang="en-US" dirty="0" smtClean="0"/>
-              <a:t>deadlines </a:t>
-            </a:r>
-            <a:r>
-              <a:rPr lang="en-US" dirty="0"/>
-              <a:t>that must be met for this project?</a:t>
-            </a:r>
-          </a:p>
-          <a:p>
-            <a:r>
-              <a:rPr lang="en-US" dirty="0"/>
-              <a:t>C</a:t>
-            </a:r>
-            <a:r>
-              <a:rPr lang="en-US" dirty="0" smtClean="0"/>
-              <a:t>onfirm </a:t>
-            </a:r>
-            <a:r>
-              <a:rPr lang="en-US" dirty="0"/>
-              <a:t>that future requests for ad-hoc reporting will be only for the data collected </a:t>
-            </a:r>
-            <a:r>
-              <a:rPr lang="en-US" dirty="0" smtClean="0"/>
-              <a:t>starting in a new FY </a:t>
-            </a:r>
-            <a:r>
-              <a:rPr lang="en-US" dirty="0"/>
-              <a:t>and historical data is NOT needed for reporting (clean-start approach</a:t>
-            </a:r>
-            <a:r>
-              <a:rPr lang="en-US" dirty="0" smtClean="0"/>
-              <a:t>).</a:t>
-            </a:r>
-          </a:p>
-          <a:p>
-            <a:r>
-              <a:rPr lang="en-US" dirty="0" smtClean="0"/>
-              <a:t>What is stakeholders</a:t>
-            </a:r>
-            <a:r>
-              <a:rPr lang="en-US" dirty="0"/>
-              <a:t>’ </a:t>
-            </a:r>
-            <a:r>
-              <a:rPr lang="en-US" dirty="0" smtClean="0"/>
-              <a:t>availability to </a:t>
-            </a:r>
-            <a:r>
-              <a:rPr lang="en-US" dirty="0" smtClean="0"/>
-              <a:t>meet?</a:t>
-            </a:r>
-            <a:endParaRPr lang="en-US" dirty="0"/>
-          </a:p>
-        </p:txBody>
-      </p:sp>
-    </p:spTree>
-    <p:extLst>
-      <p:ext uri="{BB962C8B-B14F-4D97-AF65-F5344CB8AC3E}">
-        <p14:creationId xmlns:p14="http://schemas.microsoft.com/office/powerpoint/2010/main" val="4211948641"/>
-      </p:ext>
-    </p:extLst>
-  </p:cSld>
-  <p:clrMapOvr>
-    <a:masterClrMapping/>
-  </p:clrMapOvr>
-  <p:timing>
-    <p:tnLst>
-      <p:par>
-        <p:cTn id="1" dur="indefinite" restart="never" nodeType="tmRoot"/>
-      </p:par>
-    </p:tnLst>
-  </p:timing>
-</p:sld>
-</file>
-
-<file path=ppt/slides/slide7.xml><?xml version="1.0" encoding="utf-8"?>
-<p:sld xmlns:a="http://schemas.openxmlformats.org/drawingml/2006/main" xmlns:r="http://schemas.openxmlformats.org/officeDocument/2006/relationships" xmlns:p="http://schemas.openxmlformats.org/presentationml/2006/main">
-  <p:cSld>
-    <p:spTree>
-      <p:nvGrpSpPr>
-        <p:cNvPr id="1" name=""/>
-        <p:cNvGrpSpPr/>
-        <p:nvPr/>
-      </p:nvGrpSpPr>
-      <p:grpSpPr>
-        <a:xfrm>
-          <a:off x="0" y="0"/>
-          <a:ext cx="0" cy="0"/>
-          <a:chOff x="0" y="0"/>
-          <a:chExt cx="0" cy="0"/>
-        </a:xfrm>
-      </p:grpSpPr>
-      <p:sp>
-        <p:nvSpPr>
-          <p:cNvPr id="2" name="Title 1"/>
-          <p:cNvSpPr>
-            <a:spLocks noGrp="1"/>
-          </p:cNvSpPr>
-          <p:nvPr>
-            <p:ph type="title"/>
-          </p:nvPr>
-        </p:nvSpPr>
-        <p:spPr/>
-        <p:txBody>
-          <a:bodyPr/>
-          <a:lstStyle/>
-          <a:p>
-            <a:r>
-              <a:rPr lang="en-US" b="1" dirty="0" smtClean="0">
-                <a:effectLst>
-                  <a:outerShdw blurRad="38100" dist="38100" dir="2700000" algn="tl">
-                    <a:srgbClr val="000000">
-                      <a:alpha val="43137"/>
-                    </a:srgbClr>
-                  </a:outerShdw>
-                </a:effectLst>
                 <a:latin typeface="+mn-lt"/>
               </a:rPr>
               <a:t>Next Steps</a:t>
@@ -10864,8 +10662,24 @@
             <a:pPr marL="228600" lvl="2"/>
             <a:r>
               <a:rPr lang="en-US" sz="2000" dirty="0"/>
-              <a:t>CBIIT will schedule requirements elicitation sessions with Business Stakeholders. </a:t>
-            </a:r>
+              <a:t>CBIIT will schedule requirements elicitation sessions with Business Stakeholders</a:t>
+            </a:r>
+            <a:r>
+              <a:rPr lang="en-US" sz="2000" dirty="0" smtClean="0"/>
+              <a:t>.</a:t>
+            </a:r>
+          </a:p>
+          <a:p>
+            <a:pPr marL="228600" lvl="2"/>
+            <a:r>
+              <a:rPr lang="en-US" sz="2000" dirty="0" smtClean="0"/>
+              <a:t>CBIIT will provide the list of questions related to ad-hoc reporting to OGA before the next meeting to facilitate the discussion.</a:t>
+            </a:r>
+            <a:r>
+              <a:rPr lang="en-US" sz="2000" dirty="0" smtClean="0"/>
+              <a:t> </a:t>
+            </a:r>
+            <a:endParaRPr lang="en-US" sz="2000" dirty="0"/>
           </a:p>
           <a:p>
             <a:pPr marL="228600" lvl="2"/>
@@ -10890,7 +10704,7 @@
 </p:sld>
 </file>
 
-<file path=ppt/slides/slide8.xml><?xml version="1.0" encoding="utf-8"?>
+<file path=ppt/slides/slide7.xml><?xml version="1.0" encoding="utf-8"?>
 <p:sld xmlns:a="http://schemas.openxmlformats.org/drawingml/2006/main" xmlns:r="http://schemas.openxmlformats.org/officeDocument/2006/relationships" xmlns:p="http://schemas.openxmlformats.org/presentationml/2006/main">
   <p:cSld>
     <p:spTree>
@@ -11996,18 +11810,18 @@
 </file>
 
 <file path=customXml/item2.xml><?xml version="1.0" encoding="utf-8"?>
-<p:properties xmlns:p="http://schemas.microsoft.com/office/2006/metadata/properties" xmlns:xsi="http://www.w3.org/2001/XMLSchema-instance">
-  <documentManagement/>
-</p:properties>
-</file>
-
-<file path=customXml/item3.xml><?xml version="1.0" encoding="utf-8"?>
 <?mso-contentType ?>
 <FormTemplates xmlns="http://schemas.microsoft.com/sharepoint/v3/contenttype/forms">
   <Display>DocumentLibraryForm</Display>
   <Edit>DocumentLibraryForm</Edit>
   <New>DocumentLibraryForm</New>
 </FormTemplates>
+</file>
+
+<file path=customXml/item3.xml><?xml version="1.0" encoding="utf-8"?>
+<p:properties xmlns:p="http://schemas.microsoft.com/office/2006/metadata/properties" xmlns:xsi="http://www.w3.org/2001/XMLSchema-instance">
+  <documentManagement/>
+</p:properties>
 </file>
 
 <file path=customXml/itemProps1.xml><?xml version="1.0" encoding="utf-8"?>
@@ -12027,6 +11841,14 @@
 </file>
 
 <file path=customXml/itemProps2.xml><?xml version="1.0" encoding="utf-8"?>
+<ds:datastoreItem xmlns:ds="http://schemas.openxmlformats.org/officeDocument/2006/customXml" ds:itemID="{28E1A144-DA3A-434B-950F-9C912E6989E1}">
+  <ds:schemaRefs>
+    <ds:schemaRef ds:uri="http://schemas.microsoft.com/sharepoint/v3/contenttype/forms"/>
+  </ds:schemaRefs>
+</ds:datastoreItem>
+</file>
+
+<file path=customXml/itemProps3.xml><?xml version="1.0" encoding="utf-8"?>
 <ds:datastoreItem xmlns:ds="http://schemas.openxmlformats.org/officeDocument/2006/customXml" ds:itemID="{4C535039-3F37-4243-9AAC-908669651B70}">
   <ds:schemaRefs>
     <ds:schemaRef ds:uri="http://schemas.microsoft.com/office/2006/documentManagement/types"/>
@@ -12039,12 +11861,4 @@
     <ds:schemaRef ds:uri="http://purl.org/dc/elements/1.1/"/>
   </ds:schemaRefs>
 </ds:datastoreItem>
-</file>
-
-<file path=customXml/itemProps3.xml><?xml version="1.0" encoding="utf-8"?>
-<ds:datastoreItem xmlns:ds="http://schemas.openxmlformats.org/officeDocument/2006/customXml" ds:itemID="{28E1A144-DA3A-434B-950F-9C912E6989E1}">
-  <ds:schemaRefs>
-    <ds:schemaRef ds:uri="http://schemas.microsoft.com/sharepoint/v3/contenttype/forms"/>
-  </ds:schemaRefs>
-</ds:datastoreItem>
 </file>